--- a/ApresetançãoJWL.pptx
+++ b/ApresetançãoJWL.pptx
@@ -4280,8 +4280,8 @@
         </p:nvSpPr>
         <p:spPr>
           <a:xfrm>
-            <a:off x="777684" y="1263483"/>
-            <a:ext cx="4195714" cy="1194321"/>
+            <a:off x="556690" y="1086607"/>
+            <a:ext cx="10709404" cy="1194321"/>
           </a:xfrm>
         </p:spPr>
         <p:txBody>
@@ -4541,8 +4541,8 @@
         </p:blipFill>
         <p:spPr>
           <a:xfrm>
-            <a:off x="1818282" y="2197936"/>
-            <a:ext cx="2851813" cy="4011355"/>
+            <a:off x="632036" y="1533550"/>
+            <a:ext cx="2770104" cy="3896423"/>
           </a:xfrm>
           <a:prstGeom prst="rect">
             <a:avLst/>
@@ -4571,7 +4571,7 @@
         </p:blipFill>
         <p:spPr>
           <a:xfrm>
-            <a:off x="7218604" y="1504328"/>
+            <a:off x="3953662" y="1627186"/>
             <a:ext cx="3155114" cy="2218862"/>
           </a:xfrm>
           <a:prstGeom prst="rect">
@@ -4593,8 +4593,8 @@
         </p:nvSpPr>
         <p:spPr>
           <a:xfrm>
-            <a:off x="6574801" y="1158028"/>
-            <a:ext cx="4266023" cy="369332"/>
+            <a:off x="4257816" y="1465887"/>
+            <a:ext cx="2762054" cy="261610"/>
           </a:xfrm>
           <a:prstGeom prst="rect">
             <a:avLst/>
@@ -4617,10 +4617,10 @@
               <a:buNone/>
             </a:pPr>
             <a:r>
-              <a:rPr lang="pt-BR" sz="1800" dirty="0"/>
+              <a:rPr lang="pt-BR" sz="1100" dirty="0"/>
               <a:t>Distribuição da target no período analisado.</a:t>
             </a:r>
-            <a:endParaRPr lang="pt-BR" sz="1800" b="0" i="0" dirty="0">
+            <a:endParaRPr lang="pt-BR" sz="1100" b="0" i="0" dirty="0">
               <a:effectLst/>
             </a:endParaRPr>
           </a:p>
@@ -4648,7 +4648,7 @@
         </p:blipFill>
         <p:spPr>
           <a:xfrm>
-            <a:off x="7145313" y="4197060"/>
+            <a:off x="7642799" y="1635875"/>
             <a:ext cx="3301695" cy="2225280"/>
           </a:xfrm>
           <a:prstGeom prst="rect">
@@ -4658,10 +4658,62 @@
       </p:pic>
       <p:sp>
         <p:nvSpPr>
-          <p:cNvPr id="58" name="CaixaDeTexto 57">
-            <a:extLst>
-              <a:ext uri="{FF2B5EF4-FFF2-40B4-BE49-F238E27FC236}">
-                <a16:creationId xmlns:a16="http://schemas.microsoft.com/office/drawing/2014/main" id="{D080155D-CB4C-4367-8E91-1D6E279C8A98}"/>
+          <p:cNvPr id="16" name="Retângulo 15">
+            <a:extLst>
+              <a:ext uri="{FF2B5EF4-FFF2-40B4-BE49-F238E27FC236}">
+                <a16:creationId xmlns:a16="http://schemas.microsoft.com/office/drawing/2014/main" id="{0D42E76C-4198-429D-A6A2-1F973D55B4F0}"/>
+              </a:ext>
+            </a:extLst>
+          </p:cNvPr>
+          <p:cNvSpPr/>
+          <p:nvPr/>
+        </p:nvSpPr>
+        <p:spPr>
+          <a:xfrm>
+            <a:off x="4487790" y="1792258"/>
+            <a:ext cx="170002" cy="1526698"/>
+          </a:xfrm>
+          <a:prstGeom prst="rect">
+            <a:avLst/>
+          </a:prstGeom>
+          <a:noFill/>
+          <a:ln w="6350">
+            <a:solidFill>
+              <a:srgbClr val="FF0000"/>
+            </a:solidFill>
+          </a:ln>
+        </p:spPr>
+        <p:style>
+          <a:lnRef idx="2">
+            <a:schemeClr val="accent1">
+              <a:shade val="50000"/>
+            </a:schemeClr>
+          </a:lnRef>
+          <a:fillRef idx="1">
+            <a:schemeClr val="accent1"/>
+          </a:fillRef>
+          <a:effectRef idx="0">
+            <a:schemeClr val="accent1"/>
+          </a:effectRef>
+          <a:fontRef idx="minor">
+            <a:schemeClr val="lt1"/>
+          </a:fontRef>
+        </p:style>
+        <p:txBody>
+          <a:bodyPr rtlCol="0" anchor="ctr"/>
+          <a:lstStyle/>
+          <a:p>
+            <a:pPr algn="ctr"/>
+            <a:endParaRPr lang="pt-BR"/>
+          </a:p>
+        </p:txBody>
+      </p:sp>
+      <p:sp>
+        <p:nvSpPr>
+          <p:cNvPr id="17" name="CaixaDeTexto 16">
+            <a:extLst>
+              <a:ext uri="{FF2B5EF4-FFF2-40B4-BE49-F238E27FC236}">
+                <a16:creationId xmlns:a16="http://schemas.microsoft.com/office/drawing/2014/main" id="{03FDF996-886E-45E2-A93B-2CC1FBD674AA}"/>
               </a:ext>
             </a:extLst>
           </p:cNvPr>
@@ -4670,8 +4722,8 @@
         </p:nvSpPr>
         <p:spPr>
           <a:xfrm>
-            <a:off x="6574801" y="3880211"/>
-            <a:ext cx="4266023" cy="369332"/>
+            <a:off x="7952518" y="1462368"/>
+            <a:ext cx="2762054" cy="261610"/>
           </a:xfrm>
           <a:prstGeom prst="rect">
             <a:avLst/>
@@ -4694,21 +4746,86 @@
               <a:buNone/>
             </a:pPr>
             <a:r>
-              <a:rPr lang="pt-BR" sz="1800" dirty="0"/>
+              <a:rPr lang="pt-BR" sz="1100" dirty="0"/>
               <a:t>Existe uma janela sem medição dos dados.</a:t>
             </a:r>
-            <a:endParaRPr lang="pt-BR" sz="1800" b="0" i="0" dirty="0">
+            <a:endParaRPr lang="pt-BR" sz="1100" b="0" i="0" dirty="0">
               <a:effectLst/>
             </a:endParaRPr>
           </a:p>
         </p:txBody>
       </p:sp>
-      <p:sp>
-        <p:nvSpPr>
-          <p:cNvPr id="16" name="Retângulo 15">
-            <a:extLst>
-              <a:ext uri="{FF2B5EF4-FFF2-40B4-BE49-F238E27FC236}">
-                <a16:creationId xmlns:a16="http://schemas.microsoft.com/office/drawing/2014/main" id="{0D42E76C-4198-429D-A6A2-1F973D55B4F0}"/>
+      <p:pic>
+        <p:nvPicPr>
+          <p:cNvPr id="6" name="Imagem 5">
+            <a:extLst>
+              <a:ext uri="{FF2B5EF4-FFF2-40B4-BE49-F238E27FC236}">
+                <a16:creationId xmlns:a16="http://schemas.microsoft.com/office/drawing/2014/main" id="{AD6D02DF-2666-4AF1-BF86-BA2520D613C0}"/>
+              </a:ext>
+            </a:extLst>
+          </p:cNvPr>
+          <p:cNvPicPr>
+            <a:picLocks noChangeAspect="1"/>
+          </p:cNvPicPr>
+          <p:nvPr/>
+        </p:nvPicPr>
+        <p:blipFill>
+          <a:blip r:embed="rId5"/>
+          <a:stretch>
+            <a:fillRect/>
+          </a:stretch>
+        </p:blipFill>
+        <p:spPr>
+          <a:xfrm>
+            <a:off x="3953662" y="4389868"/>
+            <a:ext cx="7572866" cy="1966753"/>
+          </a:xfrm>
+          <a:prstGeom prst="rect">
+            <a:avLst/>
+          </a:prstGeom>
+        </p:spPr>
+      </p:pic>
+      <p:sp>
+        <p:nvSpPr>
+          <p:cNvPr id="19" name="CaixaDeTexto 18">
+            <a:extLst>
+              <a:ext uri="{FF2B5EF4-FFF2-40B4-BE49-F238E27FC236}">
+                <a16:creationId xmlns:a16="http://schemas.microsoft.com/office/drawing/2014/main" id="{8F6DE58E-558F-406C-A7D2-AA9E7A315166}"/>
+              </a:ext>
+            </a:extLst>
+          </p:cNvPr>
+          <p:cNvSpPr txBox="1"/>
+          <p:nvPr/>
+        </p:nvSpPr>
+        <p:spPr>
+          <a:xfrm>
+            <a:off x="3953662" y="4143085"/>
+            <a:ext cx="6094428" cy="276999"/>
+          </a:xfrm>
+          <a:prstGeom prst="rect">
+            <a:avLst/>
+          </a:prstGeom>
+          <a:noFill/>
+        </p:spPr>
+        <p:txBody>
+          <a:bodyPr wrap="square">
+            <a:spAutoFit/>
+          </a:bodyPr>
+          <a:lstStyle/>
+          <a:p>
+            <a:r>
+              <a:rPr lang="pt-BR" sz="1200" dirty="0"/>
+              <a:t>Estatísticas gerais dos dados principais.</a:t>
+            </a:r>
+          </a:p>
+        </p:txBody>
+      </p:sp>
+      <p:sp>
+        <p:nvSpPr>
+          <p:cNvPr id="20" name="Retângulo 19">
+            <a:extLst>
+              <a:ext uri="{FF2B5EF4-FFF2-40B4-BE49-F238E27FC236}">
+                <a16:creationId xmlns:a16="http://schemas.microsoft.com/office/drawing/2014/main" id="{DBB48C26-DFD0-4CF0-A538-1E04183604EE}"/>
               </a:ext>
             </a:extLst>
           </p:cNvPr>
@@ -4716,17 +4833,225 @@
           <p:nvPr/>
         </p:nvSpPr>
         <p:spPr>
-          <a:xfrm>
-            <a:off x="7720553" y="1637312"/>
-            <a:ext cx="170002" cy="1526698"/>
+          <a:xfrm rot="16200000">
+            <a:off x="6850259" y="2126555"/>
+            <a:ext cx="162000" cy="5877210"/>
           </a:xfrm>
           <a:prstGeom prst="rect">
             <a:avLst/>
           </a:prstGeom>
           <a:noFill/>
-          <a:ln w="6350">
+          <a:ln>
+            <a:solidFill>
+              <a:srgbClr val="00B050"/>
+            </a:solidFill>
+          </a:ln>
+        </p:spPr>
+        <p:style>
+          <a:lnRef idx="2">
+            <a:schemeClr val="accent1">
+              <a:shade val="50000"/>
+            </a:schemeClr>
+          </a:lnRef>
+          <a:fillRef idx="1">
+            <a:schemeClr val="accent1"/>
+          </a:fillRef>
+          <a:effectRef idx="0">
+            <a:schemeClr val="accent1"/>
+          </a:effectRef>
+          <a:fontRef idx="minor">
+            <a:schemeClr val="lt1"/>
+          </a:fontRef>
+        </p:style>
+        <p:txBody>
+          <a:bodyPr rtlCol="0" anchor="ctr"/>
+          <a:lstStyle/>
+          <a:p>
+            <a:pPr algn="ctr"/>
+            <a:endParaRPr lang="pt-BR"/>
+          </a:p>
+        </p:txBody>
+      </p:sp>
+      <p:sp>
+        <p:nvSpPr>
+          <p:cNvPr id="22" name="Retângulo 21">
+            <a:extLst>
+              <a:ext uri="{FF2B5EF4-FFF2-40B4-BE49-F238E27FC236}">
+                <a16:creationId xmlns:a16="http://schemas.microsoft.com/office/drawing/2014/main" id="{0C25AE3E-F541-4B05-A659-7D6646F7186B}"/>
+              </a:ext>
+            </a:extLst>
+          </p:cNvPr>
+          <p:cNvSpPr/>
+          <p:nvPr/>
+        </p:nvSpPr>
+        <p:spPr>
+          <a:xfrm rot="16200000">
+            <a:off x="6844232" y="2898087"/>
+            <a:ext cx="174054" cy="5877210"/>
+          </a:xfrm>
+          <a:prstGeom prst="rect">
+            <a:avLst/>
+          </a:prstGeom>
+          <a:noFill/>
+          <a:ln>
+            <a:solidFill>
+              <a:srgbClr val="00B050"/>
+            </a:solidFill>
+          </a:ln>
+        </p:spPr>
+        <p:style>
+          <a:lnRef idx="2">
+            <a:schemeClr val="accent1">
+              <a:shade val="50000"/>
+            </a:schemeClr>
+          </a:lnRef>
+          <a:fillRef idx="1">
+            <a:schemeClr val="accent1"/>
+          </a:fillRef>
+          <a:effectRef idx="0">
+            <a:schemeClr val="accent1"/>
+          </a:effectRef>
+          <a:fontRef idx="minor">
+            <a:schemeClr val="lt1"/>
+          </a:fontRef>
+        </p:style>
+        <p:txBody>
+          <a:bodyPr rtlCol="0" anchor="ctr"/>
+          <a:lstStyle/>
+          <a:p>
+            <a:pPr algn="ctr"/>
+            <a:endParaRPr lang="pt-BR"/>
+          </a:p>
+        </p:txBody>
+      </p:sp>
+      <p:sp>
+        <p:nvSpPr>
+          <p:cNvPr id="24" name="Retângulo 23">
+            <a:extLst>
+              <a:ext uri="{FF2B5EF4-FFF2-40B4-BE49-F238E27FC236}">
+                <a16:creationId xmlns:a16="http://schemas.microsoft.com/office/drawing/2014/main" id="{686CC4B6-2F3B-4DFE-A887-33655691B88B}"/>
+              </a:ext>
+            </a:extLst>
+          </p:cNvPr>
+          <p:cNvSpPr/>
+          <p:nvPr/>
+        </p:nvSpPr>
+        <p:spPr>
+          <a:xfrm rot="16200000">
+            <a:off x="11172218" y="4849160"/>
+            <a:ext cx="162000" cy="432000"/>
+          </a:xfrm>
+          <a:prstGeom prst="rect">
+            <a:avLst/>
+          </a:prstGeom>
+          <a:noFill/>
+          <a:ln>
             <a:solidFill>
               <a:srgbClr val="FF0000"/>
+            </a:solidFill>
+          </a:ln>
+        </p:spPr>
+        <p:style>
+          <a:lnRef idx="2">
+            <a:schemeClr val="accent1">
+              <a:shade val="50000"/>
+            </a:schemeClr>
+          </a:lnRef>
+          <a:fillRef idx="1">
+            <a:schemeClr val="accent1"/>
+          </a:fillRef>
+          <a:effectRef idx="0">
+            <a:schemeClr val="accent1"/>
+          </a:effectRef>
+          <a:fontRef idx="minor">
+            <a:schemeClr val="lt1"/>
+          </a:fontRef>
+        </p:style>
+        <p:txBody>
+          <a:bodyPr rtlCol="0" anchor="ctr"/>
+          <a:lstStyle/>
+          <a:p>
+            <a:pPr algn="ctr"/>
+            <a:endParaRPr lang="pt-BR"/>
+          </a:p>
+        </p:txBody>
+      </p:sp>
+      <p:sp>
+        <p:nvSpPr>
+          <p:cNvPr id="25" name="Retângulo 24">
+            <a:extLst>
+              <a:ext uri="{FF2B5EF4-FFF2-40B4-BE49-F238E27FC236}">
+                <a16:creationId xmlns:a16="http://schemas.microsoft.com/office/drawing/2014/main" id="{01F183D7-D434-4363-A4D4-9EB0E13396A7}"/>
+              </a:ext>
+            </a:extLst>
+          </p:cNvPr>
+          <p:cNvSpPr/>
+          <p:nvPr/>
+        </p:nvSpPr>
+        <p:spPr>
+          <a:xfrm rot="16200000">
+            <a:off x="11172218" y="5614664"/>
+            <a:ext cx="162000" cy="432000"/>
+          </a:xfrm>
+          <a:prstGeom prst="rect">
+            <a:avLst/>
+          </a:prstGeom>
+          <a:noFill/>
+          <a:ln>
+            <a:solidFill>
+              <a:srgbClr val="FF0000"/>
+            </a:solidFill>
+          </a:ln>
+        </p:spPr>
+        <p:style>
+          <a:lnRef idx="2">
+            <a:schemeClr val="accent1">
+              <a:shade val="50000"/>
+            </a:schemeClr>
+          </a:lnRef>
+          <a:fillRef idx="1">
+            <a:schemeClr val="accent1"/>
+          </a:fillRef>
+          <a:effectRef idx="0">
+            <a:schemeClr val="accent1"/>
+          </a:effectRef>
+          <a:fontRef idx="minor">
+            <a:schemeClr val="lt1"/>
+          </a:fontRef>
+        </p:style>
+        <p:txBody>
+          <a:bodyPr rtlCol="0" anchor="ctr"/>
+          <a:lstStyle/>
+          <a:p>
+            <a:pPr algn="ctr"/>
+            <a:endParaRPr lang="pt-BR"/>
+          </a:p>
+        </p:txBody>
+      </p:sp>
+      <p:sp>
+        <p:nvSpPr>
+          <p:cNvPr id="26" name="Retângulo 25">
+            <a:extLst>
+              <a:ext uri="{FF2B5EF4-FFF2-40B4-BE49-F238E27FC236}">
+                <a16:creationId xmlns:a16="http://schemas.microsoft.com/office/drawing/2014/main" id="{89AA7550-81A7-481B-9AB9-F701E6ADC25A}"/>
+              </a:ext>
+            </a:extLst>
+          </p:cNvPr>
+          <p:cNvSpPr/>
+          <p:nvPr/>
+        </p:nvSpPr>
+        <p:spPr>
+          <a:xfrm>
+            <a:off x="9965417" y="4429510"/>
+            <a:ext cx="756000" cy="1890879"/>
+          </a:xfrm>
+          <a:prstGeom prst="rect">
+            <a:avLst/>
+          </a:prstGeom>
+          <a:noFill/>
+          <a:ln>
+            <a:solidFill>
+              <a:schemeClr val="accent4"/>
             </a:solidFill>
           </a:ln>
         </p:spPr>
@@ -5080,7 +5405,7 @@
             <a:pPr algn="just"/>
             <a:r>
               <a:rPr lang="pt-BR" dirty="0"/>
-              <a:t> Dentro deste contexto, permitir que existam valores deliberadamente repetidos (artificiais) para as features e para a variável target, fará com que o modelo não identifique corretamente a correlação entre as features e a target, não sendo efetivo, dessa forma, ao objetivo do projeto.</a:t>
+              <a:t>Dentro deste contexto, permitir que existam valores deliberadamente repetidos (artificiais) para as features e para a variável target, fará com que o modelo não identifique corretamente a correlação entre as features e a target, não sendo efetivo, dessa forma, ao objetivo do projeto.</a:t>
             </a:r>
           </a:p>
           <a:p>
@@ -5164,7 +5489,7 @@
         </p:nvSpPr>
         <p:spPr>
           <a:xfrm>
-            <a:off x="810705" y="4972761"/>
+            <a:off x="9693898" y="4749048"/>
             <a:ext cx="1376313" cy="984885"/>
           </a:xfrm>
           <a:prstGeom prst="rect">
@@ -5178,12 +5503,14 @@
           </a:bodyPr>
           <a:lstStyle/>
           <a:p>
+            <a:pPr algn="ctr"/>
             <a:r>
               <a:rPr lang="pt-BR" b="1" dirty="0"/>
               <a:t>Nova Base</a:t>
             </a:r>
           </a:p>
           <a:p>
+            <a:pPr algn="ctr"/>
             <a:r>
               <a:rPr lang="pt-BR" sz="2000" dirty="0"/>
               <a:t>512</a:t>
@@ -5194,9 +5521,10 @@
             </a:r>
           </a:p>
           <a:p>
+            <a:pPr algn="ctr"/>
             <a:r>
               <a:rPr lang="pt-BR" sz="2000" dirty="0"/>
-              <a:t>24</a:t>
+              <a:t>23</a:t>
             </a:r>
             <a:r>
               <a:rPr lang="pt-BR" sz="1400" dirty="0"/>
@@ -5358,6 +5686,54 @@
           <a:p>
             <a:pPr algn="ctr"/>
             <a:endParaRPr lang="pt-BR"/>
+          </a:p>
+        </p:txBody>
+      </p:sp>
+      <p:sp>
+        <p:nvSpPr>
+          <p:cNvPr id="15" name="CaixaDeTexto 14">
+            <a:extLst>
+              <a:ext uri="{FF2B5EF4-FFF2-40B4-BE49-F238E27FC236}">
+                <a16:creationId xmlns:a16="http://schemas.microsoft.com/office/drawing/2014/main" id="{9B2CCBFC-2AFB-4256-BB4E-6BA69441862A}"/>
+              </a:ext>
+            </a:extLst>
+          </p:cNvPr>
+          <p:cNvSpPr txBox="1"/>
+          <p:nvPr/>
+        </p:nvSpPr>
+        <p:spPr>
+          <a:xfrm>
+            <a:off x="498514" y="4964971"/>
+            <a:ext cx="2045616" cy="1015663"/>
+          </a:xfrm>
+          <a:prstGeom prst="rect">
+            <a:avLst/>
+          </a:prstGeom>
+          <a:noFill/>
+        </p:spPr>
+        <p:txBody>
+          <a:bodyPr wrap="square">
+            <a:spAutoFit/>
+          </a:bodyPr>
+          <a:lstStyle/>
+          <a:p>
+            <a:pPr algn="just"/>
+            <a:r>
+              <a:rPr lang="pt-BR" sz="1200" dirty="0"/>
+              <a:t>Também foi deletada a feature '</a:t>
+            </a:r>
+            <a:r>
+              <a:rPr lang="pt-BR" sz="1200" b="1" dirty="0"/>
+              <a:t>% Iron </a:t>
+            </a:r>
+            <a:r>
+              <a:rPr lang="pt-BR" sz="1200" b="1" dirty="0" err="1"/>
+              <a:t>Concentrate</a:t>
+            </a:r>
+            <a:r>
+              <a:rPr lang="pt-BR" sz="1200" dirty="0"/>
+              <a:t>’, pois além de ser altamente correlacionada com a target, causaria vazamento de dados. </a:t>
+            </a:r>
           </a:p>
         </p:txBody>
       </p:sp>

--- a/ApresetançãoJWL.pptx
+++ b/ApresetançãoJWL.pptx
@@ -5445,36 +5445,85 @@
           </a:p>
         </p:txBody>
       </p:sp>
-      <p:pic>
-        <p:nvPicPr>
-          <p:cNvPr id="14" name="Imagem 13">
-            <a:extLst>
-              <a:ext uri="{FF2B5EF4-FFF2-40B4-BE49-F238E27FC236}">
-                <a16:creationId xmlns:a16="http://schemas.microsoft.com/office/drawing/2014/main" id="{0A024CFD-0910-4579-A6FF-0A2723E9D4CB}"/>
-              </a:ext>
-            </a:extLst>
-          </p:cNvPr>
-          <p:cNvPicPr>
-            <a:picLocks noChangeAspect="1"/>
-          </p:cNvPicPr>
-          <p:nvPr/>
-        </p:nvPicPr>
-        <p:blipFill>
-          <a:blip r:embed="rId2"/>
-          <a:stretch>
-            <a:fillRect/>
-          </a:stretch>
-        </p:blipFill>
-        <p:spPr>
-          <a:xfrm>
-            <a:off x="2799440" y="4486904"/>
-            <a:ext cx="6203475" cy="1899917"/>
-          </a:xfrm>
-          <a:prstGeom prst="rect">
-            <a:avLst/>
-          </a:prstGeom>
-        </p:spPr>
-      </p:pic>
+      <p:grpSp>
+        <p:nvGrpSpPr>
+          <p:cNvPr id="3" name="Agrupar 2">
+            <a:extLst>
+              <a:ext uri="{FF2B5EF4-FFF2-40B4-BE49-F238E27FC236}">
+                <a16:creationId xmlns:a16="http://schemas.microsoft.com/office/drawing/2014/main" id="{CB157B0E-5736-4EA0-AD41-0852AF13E625}"/>
+              </a:ext>
+            </a:extLst>
+          </p:cNvPr>
+          <p:cNvGrpSpPr/>
+          <p:nvPr/>
+        </p:nvGrpSpPr>
+        <p:grpSpPr>
+          <a:xfrm>
+            <a:off x="3233075" y="4411488"/>
+            <a:ext cx="5550668" cy="1900168"/>
+            <a:chOff x="2799441" y="4486904"/>
+            <a:chExt cx="5550668" cy="1900168"/>
+          </a:xfrm>
+        </p:grpSpPr>
+        <p:pic>
+          <p:nvPicPr>
+            <p:cNvPr id="16" name="Imagem 15">
+              <a:extLst>
+                <a:ext uri="{FF2B5EF4-FFF2-40B4-BE49-F238E27FC236}">
+                  <a16:creationId xmlns:a16="http://schemas.microsoft.com/office/drawing/2014/main" id="{CF80836A-BE41-4D76-801A-EA49267BC36A}"/>
+                </a:ext>
+              </a:extLst>
+            </p:cNvPr>
+            <p:cNvPicPr>
+              <a:picLocks noChangeAspect="1"/>
+            </p:cNvPicPr>
+            <p:nvPr/>
+          </p:nvPicPr>
+          <p:blipFill rotWithShape="1">
+            <a:blip r:embed="rId2"/>
+            <a:srcRect l="89244"/>
+            <a:stretch/>
+          </p:blipFill>
+          <p:spPr>
+            <a:xfrm>
+              <a:off x="7682846" y="4487155"/>
+              <a:ext cx="667263" cy="1899917"/>
+            </a:xfrm>
+            <a:prstGeom prst="rect">
+              <a:avLst/>
+            </a:prstGeom>
+          </p:spPr>
+        </p:pic>
+        <p:pic>
+          <p:nvPicPr>
+            <p:cNvPr id="14" name="Imagem 13">
+              <a:extLst>
+                <a:ext uri="{FF2B5EF4-FFF2-40B4-BE49-F238E27FC236}">
+                  <a16:creationId xmlns:a16="http://schemas.microsoft.com/office/drawing/2014/main" id="{0A024CFD-0910-4579-A6FF-0A2723E9D4CB}"/>
+                </a:ext>
+              </a:extLst>
+            </p:cNvPr>
+            <p:cNvPicPr>
+              <a:picLocks noChangeAspect="1"/>
+            </p:cNvPicPr>
+            <p:nvPr/>
+          </p:nvPicPr>
+          <p:blipFill rotWithShape="1">
+            <a:blip r:embed="rId2"/>
+            <a:srcRect r="21127"/>
+            <a:stretch/>
+          </p:blipFill>
+          <p:spPr>
+            <a:xfrm>
+              <a:off x="2799441" y="4486904"/>
+              <a:ext cx="4892832" cy="1899917"/>
+            </a:xfrm>
+            <a:prstGeom prst="rect">
+              <a:avLst/>
+            </a:prstGeom>
+          </p:spPr>
+        </p:pic>
+      </p:grpSp>
       <p:sp>
         <p:nvSpPr>
           <p:cNvPr id="24" name="CaixaDeTexto 23">
@@ -5547,8 +5596,8 @@
         </p:nvSpPr>
         <p:spPr>
           <a:xfrm rot="16200000">
-            <a:off x="5703060" y="2233989"/>
-            <a:ext cx="377071" cy="6127747"/>
+            <a:off x="5831756" y="2473380"/>
+            <a:ext cx="367200" cy="5508000"/>
           </a:xfrm>
           <a:prstGeom prst="rect">
             <a:avLst/>
@@ -5587,10 +5636,58 @@
       </p:sp>
       <p:sp>
         <p:nvSpPr>
-          <p:cNvPr id="26" name="Retângulo 25">
-            <a:extLst>
-              <a:ext uri="{FF2B5EF4-FFF2-40B4-BE49-F238E27FC236}">
-                <a16:creationId xmlns:a16="http://schemas.microsoft.com/office/drawing/2014/main" id="{FEC186CE-94A0-46A8-BBB8-6C74B3F608B3}"/>
+          <p:cNvPr id="15" name="CaixaDeTexto 14">
+            <a:extLst>
+              <a:ext uri="{FF2B5EF4-FFF2-40B4-BE49-F238E27FC236}">
+                <a16:creationId xmlns:a16="http://schemas.microsoft.com/office/drawing/2014/main" id="{9B2CCBFC-2AFB-4256-BB4E-6BA69441862A}"/>
+              </a:ext>
+            </a:extLst>
+          </p:cNvPr>
+          <p:cNvSpPr txBox="1"/>
+          <p:nvPr/>
+        </p:nvSpPr>
+        <p:spPr>
+          <a:xfrm>
+            <a:off x="574249" y="4814197"/>
+            <a:ext cx="2272966" cy="1092607"/>
+          </a:xfrm>
+          <a:prstGeom prst="rect">
+            <a:avLst/>
+          </a:prstGeom>
+          <a:noFill/>
+        </p:spPr>
+        <p:txBody>
+          <a:bodyPr wrap="square">
+            <a:spAutoFit/>
+          </a:bodyPr>
+          <a:lstStyle/>
+          <a:p>
+            <a:pPr algn="just"/>
+            <a:r>
+              <a:rPr lang="pt-BR" sz="1300" dirty="0"/>
+              <a:t>Também foi deletada a feature '</a:t>
+            </a:r>
+            <a:r>
+              <a:rPr lang="pt-BR" sz="1300" b="1" dirty="0"/>
+              <a:t>% Iron </a:t>
+            </a:r>
+            <a:r>
+              <a:rPr lang="pt-BR" sz="1300" b="1" dirty="0" err="1"/>
+              <a:t>Concentrate</a:t>
+            </a:r>
+            <a:r>
+              <a:rPr lang="pt-BR" sz="1300" dirty="0"/>
+              <a:t>’, pois além de ser altamente correlacionada com a target, causaria vazamento de dados. </a:t>
+            </a:r>
+          </a:p>
+        </p:txBody>
+      </p:sp>
+      <p:sp>
+        <p:nvSpPr>
+          <p:cNvPr id="17" name="Retângulo 16">
+            <a:extLst>
+              <a:ext uri="{FF2B5EF4-FFF2-40B4-BE49-F238E27FC236}">
+                <a16:creationId xmlns:a16="http://schemas.microsoft.com/office/drawing/2014/main" id="{A2C8DE87-87B8-400C-B7BF-196DE26D54DA}"/>
               </a:ext>
             </a:extLst>
           </p:cNvPr>
@@ -5599,8 +5696,8 @@
         </p:nvSpPr>
         <p:spPr>
           <a:xfrm rot="16200000">
-            <a:off x="5703059" y="2670060"/>
-            <a:ext cx="377073" cy="6127746"/>
+            <a:off x="5823901" y="2895311"/>
+            <a:ext cx="367200" cy="5508000"/>
           </a:xfrm>
           <a:prstGeom prst="rect">
             <a:avLst/>
@@ -5639,10 +5736,10 @@
       </p:sp>
       <p:sp>
         <p:nvSpPr>
-          <p:cNvPr id="27" name="Retângulo 26">
-            <a:extLst>
-              <a:ext uri="{FF2B5EF4-FFF2-40B4-BE49-F238E27FC236}">
-                <a16:creationId xmlns:a16="http://schemas.microsoft.com/office/drawing/2014/main" id="{6302A79E-C47D-487C-A6DF-F6D69C0F8744}"/>
+          <p:cNvPr id="18" name="Retângulo 17">
+            <a:extLst>
+              <a:ext uri="{FF2B5EF4-FFF2-40B4-BE49-F238E27FC236}">
+                <a16:creationId xmlns:a16="http://schemas.microsoft.com/office/drawing/2014/main" id="{11C80FA9-C09C-4416-8B3C-2926A07361B5}"/>
               </a:ext>
             </a:extLst>
           </p:cNvPr>
@@ -5651,8 +5748,8 @@
         </p:nvSpPr>
         <p:spPr>
           <a:xfrm rot="16200000">
-            <a:off x="5703059" y="3100387"/>
-            <a:ext cx="377073" cy="6127747"/>
+            <a:off x="5817862" y="3336405"/>
+            <a:ext cx="367200" cy="5508000"/>
           </a:xfrm>
           <a:prstGeom prst="rect">
             <a:avLst/>
@@ -5686,54 +5783,6 @@
           <a:p>
             <a:pPr algn="ctr"/>
             <a:endParaRPr lang="pt-BR"/>
-          </a:p>
-        </p:txBody>
-      </p:sp>
-      <p:sp>
-        <p:nvSpPr>
-          <p:cNvPr id="15" name="CaixaDeTexto 14">
-            <a:extLst>
-              <a:ext uri="{FF2B5EF4-FFF2-40B4-BE49-F238E27FC236}">
-                <a16:creationId xmlns:a16="http://schemas.microsoft.com/office/drawing/2014/main" id="{9B2CCBFC-2AFB-4256-BB4E-6BA69441862A}"/>
-              </a:ext>
-            </a:extLst>
-          </p:cNvPr>
-          <p:cNvSpPr txBox="1"/>
-          <p:nvPr/>
-        </p:nvSpPr>
-        <p:spPr>
-          <a:xfrm>
-            <a:off x="498514" y="4964971"/>
-            <a:ext cx="2045616" cy="1015663"/>
-          </a:xfrm>
-          <a:prstGeom prst="rect">
-            <a:avLst/>
-          </a:prstGeom>
-          <a:noFill/>
-        </p:spPr>
-        <p:txBody>
-          <a:bodyPr wrap="square">
-            <a:spAutoFit/>
-          </a:bodyPr>
-          <a:lstStyle/>
-          <a:p>
-            <a:pPr algn="just"/>
-            <a:r>
-              <a:rPr lang="pt-BR" sz="1200" dirty="0"/>
-              <a:t>Também foi deletada a feature '</a:t>
-            </a:r>
-            <a:r>
-              <a:rPr lang="pt-BR" sz="1200" b="1" dirty="0"/>
-              <a:t>% Iron </a:t>
-            </a:r>
-            <a:r>
-              <a:rPr lang="pt-BR" sz="1200" b="1" dirty="0" err="1"/>
-              <a:t>Concentrate</a:t>
-            </a:r>
-            <a:r>
-              <a:rPr lang="pt-BR" sz="1200" dirty="0"/>
-              <a:t>’, pois além de ser altamente correlacionada com a target, causaria vazamento de dados. </a:t>
-            </a:r>
           </a:p>
         </p:txBody>
       </p:sp>
